--- a/resources/IT/Module_I.pptx
+++ b/resources/IT/Module_I.pptx
@@ -5,7 +5,7 @@
     <p:sldMasterId id="2147483651" r:id="rId1"/>
   </p:sldMasterIdLst>
   <p:notesMasterIdLst>
-    <p:notesMasterId r:id="rId78"/>
+    <p:notesMasterId r:id="rId76"/>
   </p:notesMasterIdLst>
   <p:sldIdLst>
     <p:sldId id="422" r:id="rId2"/>
@@ -67,9 +67,9 @@
     <p:sldId id="405" r:id="rId58"/>
     <p:sldId id="409" r:id="rId59"/>
     <p:sldId id="410" r:id="rId60"/>
-    <p:sldId id="294" r:id="rId61"/>
-    <p:sldId id="295" r:id="rId62"/>
-    <p:sldId id="296" r:id="rId63"/>
+    <p:sldId id="439" r:id="rId61"/>
+    <p:sldId id="294" r:id="rId62"/>
+    <p:sldId id="295" r:id="rId63"/>
     <p:sldId id="297" r:id="rId64"/>
     <p:sldId id="298" r:id="rId65"/>
     <p:sldId id="299" r:id="rId66"/>
@@ -80,10 +80,8 @@
     <p:sldId id="412" r:id="rId71"/>
     <p:sldId id="304" r:id="rId72"/>
     <p:sldId id="308" r:id="rId73"/>
-    <p:sldId id="309" r:id="rId74"/>
-    <p:sldId id="310" r:id="rId75"/>
-    <p:sldId id="311" r:id="rId76"/>
-    <p:sldId id="312" r:id="rId77"/>
+    <p:sldId id="311" r:id="rId74"/>
+    <p:sldId id="312" r:id="rId75"/>
   </p:sldIdLst>
   <p:sldSz cx="9144000" cy="6858000" type="screen4x3"/>
   <p:notesSz cx="6858000" cy="9144000"/>
@@ -22159,7 +22157,7 @@
           <a:lstStyle/>
           <a:p>
             <a:r>
-              <a:rPr lang="en-US" b="1" smtClean="0"/>
+              <a:rPr lang="en-US" b="1" dirty="0" smtClean="0"/>
               <a:t>Radio button-</a:t>
             </a:r>
           </a:p>
@@ -22169,13 +22167,13 @@
               <a:buNone/>
             </a:pPr>
             <a:r>
-              <a:rPr lang="en-US" smtClean="0"/>
+              <a:rPr lang="en-US" dirty="0" smtClean="0"/>
               <a:t>&lt;input type="radio" name="name"&gt;</a:t>
             </a:r>
           </a:p>
           <a:p>
             <a:r>
-              <a:rPr lang="en-US" smtClean="0"/>
+              <a:rPr lang="en-US" dirty="0" smtClean="0"/>
               <a:t>Dropdown list-</a:t>
             </a:r>
           </a:p>
@@ -22185,7 +22183,7 @@
               <a:buNone/>
             </a:pPr>
             <a:r>
-              <a:rPr lang="en-US" sz="2800" smtClean="0">
+              <a:rPr lang="en-US" sz="2800" dirty="0" smtClean="0">
                 <a:solidFill>
                   <a:srgbClr val="FF0000"/>
                 </a:solidFill>
@@ -22193,7 +22191,7 @@
               <a:t>Select</a:t>
             </a:r>
             <a:r>
-              <a:rPr lang="en-US" sz="2800" smtClean="0"/>
+              <a:rPr lang="en-US" sz="2800" dirty="0" smtClean="0"/>
               <a:t> element provides a dropdown list from which user can select an item.</a:t>
             </a:r>
           </a:p>
@@ -22203,7 +22201,7 @@
               <a:buNone/>
             </a:pPr>
             <a:r>
-              <a:rPr lang="en-US" sz="2800" smtClean="0">
+              <a:rPr lang="en-US" sz="2800" dirty="0" smtClean="0">
                 <a:solidFill>
                   <a:srgbClr val="FF0000"/>
                 </a:solidFill>
@@ -22211,7 +22209,7 @@
               <a:t>Option </a:t>
             </a:r>
             <a:r>
-              <a:rPr lang="en-US" sz="2800" smtClean="0"/>
+              <a:rPr lang="en-US" sz="2800" dirty="0" smtClean="0"/>
               <a:t>element adds items into the list.</a:t>
             </a:r>
           </a:p>
@@ -22221,7 +22219,7 @@
               <a:buNone/>
             </a:pPr>
             <a:r>
-              <a:rPr lang="en-US" sz="2000" smtClean="0"/>
+              <a:rPr lang="en-US" sz="2000" dirty="0" smtClean="0"/>
               <a:t>&lt;select name="rating" &gt;</a:t>
             </a:r>
           </a:p>
@@ -22231,7 +22229,7 @@
               <a:buNone/>
             </a:pPr>
             <a:r>
-              <a:rPr lang="en-US" sz="2000" smtClean="0"/>
+              <a:rPr lang="en-US" sz="2000" dirty="0" smtClean="0"/>
               <a:t> &lt;option selected&gt; 1&lt;/option&gt; </a:t>
             </a:r>
           </a:p>
@@ -22241,7 +22239,7 @@
               <a:buNone/>
             </a:pPr>
             <a:r>
-              <a:rPr lang="en-US" sz="2000" smtClean="0"/>
+              <a:rPr lang="en-US" sz="2000" dirty="0" smtClean="0"/>
               <a:t>     &lt;option&gt; 2&lt;/option&gt;</a:t>
             </a:r>
           </a:p>
@@ -22500,48 +22498,55 @@
           <a:bodyPr/>
           <a:lstStyle/>
           <a:p>
-            <a:r>
-              <a:rPr lang="en-US" sz="2400" smtClean="0"/>
+            <a:pPr algn="just"/>
+            <a:r>
+              <a:rPr lang="en-US" sz="2400" dirty="0" smtClean="0"/>
               <a:t>Search engines catalog sites by following links from page to </a:t>
             </a:r>
             <a:r>
-              <a:rPr lang="en-US" sz="2400" i="1" smtClean="0"/>
+              <a:rPr lang="en-US" sz="2400" i="1" dirty="0" smtClean="0"/>
               <a:t>and saving identification and classification information for each page.</a:t>
             </a:r>
           </a:p>
           <a:p>
-            <a:r>
-              <a:rPr lang="en-US" sz="2400" smtClean="0"/>
+            <a:pPr algn="just"/>
+            <a:r>
+              <a:rPr lang="en-US" sz="2400" dirty="0" smtClean="0"/>
               <a:t>One way that search engines catalog pages is by reading the content in each page’s </a:t>
             </a:r>
             <a:r>
-              <a:rPr lang="en-US" sz="2400" b="1" smtClean="0"/>
+              <a:rPr lang="en-US" sz="2400" b="1" dirty="0" smtClean="0"/>
               <a:t>meta </a:t>
             </a:r>
             <a:r>
-              <a:rPr lang="en-US" sz="2400" smtClean="0"/>
+              <a:rPr lang="en-US" sz="2400" dirty="0" smtClean="0"/>
               <a:t>elements, which specify information about a document.</a:t>
             </a:r>
           </a:p>
           <a:p>
-            <a:r>
-              <a:rPr lang="en-US" sz="2400" smtClean="0"/>
+            <a:pPr algn="just"/>
+            <a:r>
+              <a:rPr lang="en-US" sz="2400" dirty="0" smtClean="0"/>
               <a:t>The meta element is one of many methods of </a:t>
             </a:r>
             <a:r>
-              <a:rPr lang="en-US" sz="2400" b="1" smtClean="0"/>
+              <a:rPr lang="en-US" sz="2400" b="1" dirty="0" smtClean="0"/>
               <a:t>search engine optimization (SEO)—the process of designing and tuning </a:t>
             </a:r>
             <a:r>
-              <a:rPr lang="en-US" sz="2400" smtClean="0"/>
+              <a:rPr lang="en-US" sz="2400" dirty="0" smtClean="0"/>
               <a:t>your website to maximize your </a:t>
             </a:r>
             <a:r>
-              <a:rPr lang="en-US" sz="2400" i="1" smtClean="0"/>
-              <a:t>findability and improve your rankings in organic </a:t>
-            </a:r>
-            <a:r>
-              <a:rPr lang="en-US" sz="2400" smtClean="0"/>
+              <a:rPr lang="en-US" sz="2400" i="1" dirty="0" err="1" smtClean="0"/>
+              <a:t>findability</a:t>
+            </a:r>
+            <a:r>
+              <a:rPr lang="en-US" sz="2400" i="1" dirty="0" smtClean="0"/>
+              <a:t> and improve your rankings in organic </a:t>
+            </a:r>
+            <a:r>
+              <a:rPr lang="en-US" sz="2400" dirty="0" smtClean="0"/>
               <a:t>search engine results.</a:t>
             </a:r>
           </a:p>
@@ -23032,7 +23037,7 @@
       </p:grpSpPr>
       <p:sp>
         <p:nvSpPr>
-          <p:cNvPr id="52226" name="Title 1"/>
+          <p:cNvPr id="2" name="Title 1"/>
           <p:cNvSpPr>
             <a:spLocks noGrp="1"/>
           </p:cNvSpPr>
@@ -23040,28 +23045,27 @@
             <p:ph type="title"/>
           </p:nvPr>
         </p:nvSpPr>
-        <p:spPr/>
+        <p:spPr>
+          <a:xfrm>
+            <a:off x="457200" y="-76200"/>
+            <a:ext cx="8229600" cy="1371600"/>
+          </a:xfrm>
+        </p:spPr>
         <p:txBody>
           <a:bodyPr/>
           <a:lstStyle/>
           <a:p>
             <a:r>
-              <a:rPr lang="en-IN" dirty="0" smtClean="0">
-                <a:solidFill>
-                  <a:schemeClr val="tx1"/>
-                </a:solidFill>
-                <a:latin typeface="+mj-lt"/>
-                <a:ea typeface="+mj-ea"/>
-                <a:cs typeface="+mj-cs"/>
-              </a:rPr>
+              <a:rPr lang="en-IN" dirty="0" smtClean="0"/>
               <a:t>New HTML5 Form input Types </a:t>
             </a:r>
+            <a:endParaRPr lang="en-IN" dirty="0"/>
           </a:p>
         </p:txBody>
       </p:sp>
       <p:sp>
         <p:nvSpPr>
-          <p:cNvPr id="52227" name="Content Placeholder 2"/>
+          <p:cNvPr id="3" name="Content Placeholder 2"/>
           <p:cNvSpPr>
             <a:spLocks noGrp="1"/>
           </p:cNvSpPr>
@@ -23071,8 +23075,8 @@
         </p:nvSpPr>
         <p:spPr>
           <a:xfrm>
-            <a:off x="457200" y="1828800"/>
-            <a:ext cx="8229600" cy="4495800"/>
+            <a:off x="457200" y="914400"/>
+            <a:ext cx="8229600" cy="5638800"/>
           </a:xfrm>
         </p:spPr>
         <p:txBody>
@@ -23080,32 +23084,110 @@
           <a:lstStyle/>
           <a:p>
             <a:r>
-              <a:rPr lang="en-US" smtClean="0"/>
-              <a:t>&lt;input type=“color” autofocus/&gt;</a:t>
-            </a:r>
-          </a:p>
-          <a:p>
-            <a:pPr lvl="1" algn="just">
-              <a:buFont typeface="Arial" pitchFamily="34" charset="0"/>
-              <a:buChar char="•"/>
-            </a:pPr>
-            <a:r>
-              <a:rPr lang="en-US" smtClean="0"/>
-              <a:t> enable users to enter color</a:t>
-            </a:r>
-          </a:p>
-          <a:p>
-            <a:pPr lvl="1" algn="just">
-              <a:buFont typeface="Arial" pitchFamily="34" charset="0"/>
-              <a:buChar char="•"/>
-            </a:pPr>
-            <a:r>
-              <a:rPr lang="en-US" smtClean="0"/>
-              <a:t>Autofocus- it specifies that an &lt;input&gt; element should automatically get focus when the page loads.</a:t>
-            </a:r>
-          </a:p>
-          <a:p>
-            <a:endParaRPr lang="en-US" b="1" smtClean="0"/>
+              <a:rPr lang="en-IN" sz="2400" dirty="0" smtClean="0"/>
+              <a:t>input Type </a:t>
+            </a:r>
+            <a:r>
+              <a:rPr lang="en-IN" sz="2400" dirty="0" err="1" smtClean="0"/>
+              <a:t>color</a:t>
+            </a:r>
+            <a:endParaRPr lang="en-IN" sz="2400" dirty="0" smtClean="0"/>
+          </a:p>
+          <a:p>
+            <a:r>
+              <a:rPr lang="en-IN" sz="2400" dirty="0" smtClean="0"/>
+              <a:t>input Type date</a:t>
+            </a:r>
+          </a:p>
+          <a:p>
+            <a:r>
+              <a:rPr lang="en-IN" sz="2400" dirty="0" smtClean="0"/>
+              <a:t>input Type </a:t>
+            </a:r>
+            <a:r>
+              <a:rPr lang="en-IN" sz="2400" dirty="0" err="1" smtClean="0"/>
+              <a:t>datetime</a:t>
+            </a:r>
+            <a:endParaRPr lang="en-IN" sz="2400" dirty="0" smtClean="0"/>
+          </a:p>
+          <a:p>
+            <a:r>
+              <a:rPr lang="en-IN" sz="2400" dirty="0" smtClean="0"/>
+              <a:t>input Type </a:t>
+            </a:r>
+            <a:r>
+              <a:rPr lang="en-IN" sz="2400" dirty="0" err="1" smtClean="0"/>
+              <a:t>datetime</a:t>
+            </a:r>
+            <a:r>
+              <a:rPr lang="en-IN" sz="2400" dirty="0" smtClean="0"/>
+              <a:t>-local</a:t>
+            </a:r>
+          </a:p>
+          <a:p>
+            <a:r>
+              <a:rPr lang="en-IN" sz="2400" dirty="0" smtClean="0"/>
+              <a:t>input Type email</a:t>
+            </a:r>
+          </a:p>
+          <a:p>
+            <a:r>
+              <a:rPr lang="en-IN" sz="2400" dirty="0" smtClean="0"/>
+              <a:t>input Type month</a:t>
+            </a:r>
+          </a:p>
+          <a:p>
+            <a:r>
+              <a:rPr lang="en-IN" sz="2400" dirty="0" smtClean="0"/>
+              <a:t>input Type number</a:t>
+            </a:r>
+          </a:p>
+          <a:p>
+            <a:r>
+              <a:rPr lang="en-IN" sz="2400" dirty="0" smtClean="0"/>
+              <a:t>input Type range</a:t>
+            </a:r>
+          </a:p>
+          <a:p>
+            <a:r>
+              <a:rPr lang="en-IN" sz="2400" dirty="0" smtClean="0"/>
+              <a:t>input Type search</a:t>
+            </a:r>
+          </a:p>
+          <a:p>
+            <a:r>
+              <a:rPr lang="en-IN" sz="2400" dirty="0" smtClean="0"/>
+              <a:t>input Type </a:t>
+            </a:r>
+            <a:r>
+              <a:rPr lang="en-IN" sz="2400" dirty="0" err="1" smtClean="0"/>
+              <a:t>tel</a:t>
+            </a:r>
+            <a:endParaRPr lang="en-IN" sz="2400" dirty="0" smtClean="0"/>
+          </a:p>
+          <a:p>
+            <a:r>
+              <a:rPr lang="en-IN" sz="2400" dirty="0" smtClean="0"/>
+              <a:t>input Type time</a:t>
+            </a:r>
+          </a:p>
+          <a:p>
+            <a:r>
+              <a:rPr lang="en-IN" sz="2400" dirty="0" smtClean="0"/>
+              <a:t>input Type </a:t>
+            </a:r>
+            <a:r>
+              <a:rPr lang="en-IN" sz="2400" dirty="0" err="1" smtClean="0"/>
+              <a:t>url</a:t>
+            </a:r>
+            <a:endParaRPr lang="en-IN" sz="2400" dirty="0" smtClean="0"/>
+          </a:p>
+          <a:p>
+            <a:r>
+              <a:rPr lang="en-IN" sz="2400" dirty="0" smtClean="0"/>
+              <a:t>input Type week</a:t>
+            </a:r>
+            <a:endParaRPr lang="en-IN" sz="2400" dirty="0"/>
           </a:p>
         </p:txBody>
       </p:sp>
@@ -23143,7 +23225,7 @@
       </p:grpSpPr>
       <p:sp>
         <p:nvSpPr>
-          <p:cNvPr id="53250" name="Title 1"/>
+          <p:cNvPr id="52226" name="Title 1"/>
           <p:cNvSpPr>
             <a:spLocks noGrp="1"/>
           </p:cNvSpPr>
@@ -23156,35 +23238,70 @@
           <a:bodyPr/>
           <a:lstStyle/>
           <a:p>
-            <a:endParaRPr lang="en-US" smtClean="0"/>
+            <a:r>
+              <a:rPr lang="en-IN" dirty="0" smtClean="0">
+                <a:solidFill>
+                  <a:schemeClr val="tx1"/>
+                </a:solidFill>
+                <a:latin typeface="+mj-lt"/>
+                <a:ea typeface="+mj-ea"/>
+                <a:cs typeface="+mj-cs"/>
+              </a:rPr>
+              <a:t>New HTML5 Form input Types </a:t>
+            </a:r>
           </a:p>
         </p:txBody>
       </p:sp>
-      <p:pic>
-        <p:nvPicPr>
-          <p:cNvPr id="53251" name="Picture 2"/>
-          <p:cNvPicPr>
-            <a:picLocks noGrp="1" noChangeAspect="1" noChangeArrowheads="1"/>
-          </p:cNvPicPr>
+      <p:sp>
+        <p:nvSpPr>
+          <p:cNvPr id="52227" name="Content Placeholder 2"/>
+          <p:cNvSpPr>
+            <a:spLocks noGrp="1"/>
+          </p:cNvSpPr>
           <p:nvPr>
             <p:ph idx="1"/>
           </p:nvPr>
-        </p:nvPicPr>
-        <p:blipFill>
-          <a:blip r:embed="rId2"/>
-          <a:srcRect/>
-          <a:stretch>
-            <a:fillRect/>
-          </a:stretch>
-        </p:blipFill>
+        </p:nvSpPr>
         <p:spPr>
           <a:xfrm>
-            <a:off x="1524000" y="1828800"/>
-            <a:ext cx="6477000" cy="4267200"/>
+            <a:off x="457200" y="1828800"/>
+            <a:ext cx="8229600" cy="4495800"/>
           </a:xfrm>
-          <a:noFill/>
         </p:spPr>
-      </p:pic>
+        <p:txBody>
+          <a:bodyPr/>
+          <a:lstStyle/>
+          <a:p>
+            <a:r>
+              <a:rPr lang="en-US" dirty="0" smtClean="0"/>
+              <a:t>&lt;input type=“color” autofocus/&gt;</a:t>
+            </a:r>
+          </a:p>
+          <a:p>
+            <a:pPr lvl="1" algn="just">
+              <a:buFont typeface="Arial" pitchFamily="34" charset="0"/>
+              <a:buChar char="•"/>
+            </a:pPr>
+            <a:r>
+              <a:rPr lang="en-US" dirty="0" smtClean="0"/>
+              <a:t> enable users to enter color</a:t>
+            </a:r>
+          </a:p>
+          <a:p>
+            <a:pPr lvl="1" algn="just">
+              <a:buFont typeface="Arial" pitchFamily="34" charset="0"/>
+              <a:buChar char="•"/>
+            </a:pPr>
+            <a:r>
+              <a:rPr lang="en-US" dirty="0" smtClean="0"/>
+              <a:t>Autofocus- it specifies that an &lt;input&gt; element should automatically get focus when the page loads.</a:t>
+            </a:r>
+          </a:p>
+          <a:p>
+            <a:endParaRPr lang="en-US" b="1" dirty="0" smtClean="0"/>
+          </a:p>
+        </p:txBody>
+      </p:sp>
     </p:spTree>
   </p:cSld>
   <p:clrMapOvr>
@@ -23219,7 +23336,7 @@
       </p:grpSpPr>
       <p:sp>
         <p:nvSpPr>
-          <p:cNvPr id="54274" name="Title 1"/>
+          <p:cNvPr id="53250" name="Title 1"/>
           <p:cNvSpPr>
             <a:spLocks noGrp="1"/>
           </p:cNvSpPr>
@@ -23236,55 +23353,31 @@
           </a:p>
         </p:txBody>
       </p:sp>
-      <p:sp>
-        <p:nvSpPr>
-          <p:cNvPr id="54275" name="Content Placeholder 2"/>
-          <p:cNvSpPr>
-            <a:spLocks noGrp="1"/>
-          </p:cNvSpPr>
+      <p:pic>
+        <p:nvPicPr>
+          <p:cNvPr id="53251" name="Picture 2"/>
+          <p:cNvPicPr>
+            <a:picLocks noGrp="1" noChangeAspect="1" noChangeArrowheads="1"/>
+          </p:cNvPicPr>
           <p:nvPr>
             <p:ph idx="1"/>
           </p:nvPr>
-        </p:nvSpPr>
-        <p:spPr/>
-        <p:txBody>
-          <a:bodyPr/>
-          <a:lstStyle/>
-          <a:p>
-            <a:r>
-              <a:rPr lang="en-US" smtClean="0"/>
-              <a:t> &lt;input type="datetime" /&gt;</a:t>
-            </a:r>
-          </a:p>
-          <a:p>
-            <a:r>
-              <a:rPr lang="en-US" smtClean="0"/>
-              <a:t>&lt;input type="datetime-local”/&gt;</a:t>
-            </a:r>
-          </a:p>
-          <a:p>
-            <a:r>
-              <a:rPr lang="en-US" smtClean="0"/>
-              <a:t>&lt;input type=“month”/&gt;</a:t>
-            </a:r>
-          </a:p>
-          <a:p>
-            <a:r>
-              <a:rPr lang="en-US" smtClean="0"/>
-              <a:t>&lt;input type=“time”/&gt;</a:t>
-            </a:r>
-          </a:p>
-          <a:p>
-            <a:r>
-              <a:rPr lang="en-US" smtClean="0"/>
-              <a:t>&lt;input type=“week”/&gt;</a:t>
-            </a:r>
-          </a:p>
-          <a:p>
-            <a:endParaRPr lang="en-US" smtClean="0"/>
-          </a:p>
-        </p:txBody>
-      </p:sp>
+        </p:nvPicPr>
+        <p:blipFill>
+          <a:blip r:embed="rId2"/>
+          <a:srcRect/>
+          <a:stretch>
+            <a:fillRect/>
+          </a:stretch>
+        </p:blipFill>
+        <p:spPr>
+          <a:xfrm>
+            <a:off x="1524000" y="1828800"/>
+            <a:ext cx="6477000" cy="4267200"/>
+          </a:xfrm>
+          <a:noFill/>
+        </p:spPr>
+      </p:pic>
     </p:spTree>
   </p:cSld>
   <p:clrMapOvr>
@@ -23460,7 +23553,7 @@
         </p:blipFill>
         <p:spPr>
           <a:xfrm>
-            <a:off x="1752600" y="1981200"/>
+            <a:off x="1676400" y="1981200"/>
             <a:ext cx="5638800" cy="4086225"/>
           </a:xfrm>
           <a:noFill/>
@@ -23783,14 +23876,26 @@
           <a:lstStyle/>
           <a:p>
             <a:r>
-              <a:rPr lang="en-US" sz="2800" smtClean="0"/>
-              <a:t>Autocomplete-Used to fill the users information based on previous input such as name, address, email.</a:t>
-            </a:r>
-          </a:p>
-          <a:p>
-            <a:r>
-              <a:rPr lang="en-US" sz="2800" smtClean="0"/>
-              <a:t>We enable autocomplete for an entire form or just for specific elements.</a:t>
+              <a:rPr lang="en-US" sz="2800" dirty="0" err="1" smtClean="0"/>
+              <a:t>Autocomplete</a:t>
+            </a:r>
+            <a:r>
+              <a:rPr lang="en-US" sz="2800" dirty="0" smtClean="0"/>
+              <a:t>-Used to fill the users information based on previous input such as name, address, email.</a:t>
+            </a:r>
+          </a:p>
+          <a:p>
+            <a:r>
+              <a:rPr lang="en-US" sz="2800" dirty="0" smtClean="0"/>
+              <a:t>We enable </a:t>
+            </a:r>
+            <a:r>
+              <a:rPr lang="en-US" sz="2800" dirty="0" err="1" smtClean="0"/>
+              <a:t>autocomplete</a:t>
+            </a:r>
+            <a:r>
+              <a:rPr lang="en-US" sz="2800" dirty="0" smtClean="0"/>
+              <a:t> for an entire form or just for specific elements.</a:t>
             </a:r>
           </a:p>
           <a:p>
@@ -23799,8 +23904,32 @@
               <a:buNone/>
             </a:pPr>
             <a:r>
-              <a:rPr lang="en-US" sz="2800" smtClean="0"/>
-              <a:t>&lt;lable&gt; user name:&lt;input  type="text" maxlength=25 autocomplete="on"&lt;/label&gt;</a:t>
+              <a:rPr lang="en-US" sz="2800" dirty="0" smtClean="0"/>
+              <a:t>&lt;</a:t>
+            </a:r>
+            <a:r>
+              <a:rPr lang="en-US" sz="2800" dirty="0" err="1" smtClean="0"/>
+              <a:t>lable</a:t>
+            </a:r>
+            <a:r>
+              <a:rPr lang="en-US" sz="2800" dirty="0" smtClean="0"/>
+              <a:t>&gt; user name:&lt;input  type="text" </a:t>
+            </a:r>
+            <a:r>
+              <a:rPr lang="en-US" sz="2800" dirty="0" err="1" smtClean="0"/>
+              <a:t>maxlength</a:t>
+            </a:r>
+            <a:r>
+              <a:rPr lang="en-US" sz="2800" dirty="0" smtClean="0"/>
+              <a:t>=25 </a:t>
+            </a:r>
+            <a:r>
+              <a:rPr lang="en-US" sz="2800" dirty="0" err="1" smtClean="0"/>
+              <a:t>autocomplete</a:t>
+            </a:r>
+            <a:r>
+              <a:rPr lang="en-US" sz="2800" dirty="0" smtClean="0"/>
+              <a:t>="on"&lt;/label&gt;</a:t>
             </a:r>
           </a:p>
         </p:txBody>
@@ -23852,7 +23981,7 @@
           <a:bodyPr/>
           <a:lstStyle/>
           <a:p>
-            <a:endParaRPr lang="en-US" smtClean="0"/>
+            <a:endParaRPr lang="en-US" dirty="0" smtClean="0"/>
           </a:p>
         </p:txBody>
       </p:sp>
@@ -24513,37 +24642,57 @@
           <a:lstStyle/>
           <a:p>
             <a:r>
-              <a:rPr lang="en-US" smtClean="0"/>
-              <a:t>Page structure</a:t>
-            </a:r>
+              <a:rPr lang="en-IN" dirty="0" smtClean="0"/>
+              <a:t>Page-Structure </a:t>
+            </a:r>
+            <a:r>
+              <a:rPr lang="en-IN" dirty="0" smtClean="0"/>
+              <a:t>Elements</a:t>
+            </a:r>
+            <a:endParaRPr lang="en-IN" dirty="0" smtClean="0"/>
           </a:p>
         </p:txBody>
       </p:sp>
-      <p:pic>
-        <p:nvPicPr>
-          <p:cNvPr id="64515" name="Picture 2"/>
-          <p:cNvPicPr>
-            <a:picLocks noGrp="1" noChangeAspect="1" noChangeArrowheads="1"/>
-          </p:cNvPicPr>
+      <p:sp>
+        <p:nvSpPr>
+          <p:cNvPr id="4" name="Content Placeholder 3"/>
+          <p:cNvSpPr>
+            <a:spLocks noGrp="1"/>
+          </p:cNvSpPr>
           <p:nvPr>
             <p:ph idx="1"/>
           </p:nvPr>
-        </p:nvPicPr>
-        <p:blipFill>
-          <a:blip r:embed="rId2"/>
-          <a:srcRect/>
-          <a:stretch>
-            <a:fillRect/>
-          </a:stretch>
-        </p:blipFill>
-        <p:spPr>
-          <a:xfrm>
-            <a:off x="1524000" y="1676400"/>
-            <a:ext cx="5715000" cy="4648200"/>
-          </a:xfrm>
-          <a:noFill/>
-        </p:spPr>
-      </p:pic>
+        </p:nvSpPr>
+        <p:spPr/>
+        <p:txBody>
+          <a:bodyPr/>
+          <a:lstStyle/>
+          <a:p>
+            <a:pPr algn="just"/>
+            <a:r>
+              <a:rPr lang="en-IN" dirty="0" smtClean="0"/>
+              <a:t>HTML5 introduces several new page-structure </a:t>
+            </a:r>
+            <a:r>
+              <a:rPr lang="en-IN" dirty="0" smtClean="0"/>
+              <a:t>elements that </a:t>
+            </a:r>
+            <a:r>
+              <a:rPr lang="en-IN" dirty="0" smtClean="0"/>
+              <a:t>meaningfully </a:t>
+            </a:r>
+            <a:r>
+              <a:rPr lang="en-IN" dirty="0" smtClean="0"/>
+              <a:t>identify areas </a:t>
+            </a:r>
+            <a:r>
+              <a:rPr lang="en-IN" dirty="0" smtClean="0"/>
+              <a:t>of the page as headers, footers, articles, navigation areas, asides, figures and more.</a:t>
+            </a:r>
+            <a:endParaRPr lang="en-IN" dirty="0"/>
+          </a:p>
+        </p:txBody>
+      </p:sp>
     </p:spTree>
   </p:cSld>
   <p:clrMapOvr>
@@ -24560,158 +24709,6 @@
 </file>
 
 <file path=ppt/slides/slide73.xml><?xml version="1.0" encoding="utf-8"?>
-<p:sld xmlns:a="http://schemas.openxmlformats.org/drawingml/2006/main" xmlns:r="http://schemas.openxmlformats.org/officeDocument/2006/relationships" xmlns:p="http://schemas.openxmlformats.org/presentationml/2006/main">
-  <p:cSld>
-    <p:spTree>
-      <p:nvGrpSpPr>
-        <p:cNvPr id="1" name=""/>
-        <p:cNvGrpSpPr/>
-        <p:nvPr/>
-      </p:nvGrpSpPr>
-      <p:grpSpPr>
-        <a:xfrm>
-          <a:off x="0" y="0"/>
-          <a:ext cx="0" cy="0"/>
-          <a:chOff x="0" y="0"/>
-          <a:chExt cx="0" cy="0"/>
-        </a:xfrm>
-      </p:grpSpPr>
-      <p:sp>
-        <p:nvSpPr>
-          <p:cNvPr id="65538" name="Title 1"/>
-          <p:cNvSpPr>
-            <a:spLocks noGrp="1"/>
-          </p:cNvSpPr>
-          <p:nvPr>
-            <p:ph type="title"/>
-          </p:nvPr>
-        </p:nvSpPr>
-        <p:spPr/>
-        <p:txBody>
-          <a:bodyPr/>
-          <a:lstStyle/>
-          <a:p>
-            <a:endParaRPr lang="en-US" smtClean="0"/>
-          </a:p>
-        </p:txBody>
-      </p:sp>
-      <p:pic>
-        <p:nvPicPr>
-          <p:cNvPr id="65539" name="Picture 2"/>
-          <p:cNvPicPr>
-            <a:picLocks noGrp="1" noChangeAspect="1" noChangeArrowheads="1"/>
-          </p:cNvPicPr>
-          <p:nvPr>
-            <p:ph idx="1"/>
-          </p:nvPr>
-        </p:nvPicPr>
-        <p:blipFill>
-          <a:blip r:embed="rId2"/>
-          <a:srcRect/>
-          <a:stretch>
-            <a:fillRect/>
-          </a:stretch>
-        </p:blipFill>
-        <p:spPr>
-          <a:xfrm>
-            <a:off x="2133600" y="1981200"/>
-            <a:ext cx="4419600" cy="4495800"/>
-          </a:xfrm>
-          <a:noFill/>
-        </p:spPr>
-      </p:pic>
-    </p:spTree>
-  </p:cSld>
-  <p:clrMapOvr>
-    <a:masterClrMapping/>
-  </p:clrMapOvr>
-  <p:timing>
-    <p:tnLst>
-      <p:par>
-        <p:cTn id="1" dur="indefinite" restart="never" nodeType="tmRoot"/>
-      </p:par>
-    </p:tnLst>
-  </p:timing>
-</p:sld>
-</file>
-
-<file path=ppt/slides/slide74.xml><?xml version="1.0" encoding="utf-8"?>
-<p:sld xmlns:a="http://schemas.openxmlformats.org/drawingml/2006/main" xmlns:r="http://schemas.openxmlformats.org/officeDocument/2006/relationships" xmlns:p="http://schemas.openxmlformats.org/presentationml/2006/main">
-  <p:cSld>
-    <p:spTree>
-      <p:nvGrpSpPr>
-        <p:cNvPr id="1" name=""/>
-        <p:cNvGrpSpPr/>
-        <p:nvPr/>
-      </p:nvGrpSpPr>
-      <p:grpSpPr>
-        <a:xfrm>
-          <a:off x="0" y="0"/>
-          <a:ext cx="0" cy="0"/>
-          <a:chOff x="0" y="0"/>
-          <a:chExt cx="0" cy="0"/>
-        </a:xfrm>
-      </p:grpSpPr>
-      <p:sp>
-        <p:nvSpPr>
-          <p:cNvPr id="66562" name="Title 1"/>
-          <p:cNvSpPr>
-            <a:spLocks noGrp="1"/>
-          </p:cNvSpPr>
-          <p:nvPr>
-            <p:ph type="title"/>
-          </p:nvPr>
-        </p:nvSpPr>
-        <p:spPr/>
-        <p:txBody>
-          <a:bodyPr/>
-          <a:lstStyle/>
-          <a:p>
-            <a:endParaRPr lang="en-US" smtClean="0"/>
-          </a:p>
-        </p:txBody>
-      </p:sp>
-      <p:pic>
-        <p:nvPicPr>
-          <p:cNvPr id="66563" name="Picture 2"/>
-          <p:cNvPicPr>
-            <a:picLocks noGrp="1" noChangeAspect="1" noChangeArrowheads="1"/>
-          </p:cNvPicPr>
-          <p:nvPr>
-            <p:ph idx="1"/>
-          </p:nvPr>
-        </p:nvPicPr>
-        <p:blipFill>
-          <a:blip r:embed="rId2"/>
-          <a:srcRect/>
-          <a:stretch>
-            <a:fillRect/>
-          </a:stretch>
-        </p:blipFill>
-        <p:spPr>
-          <a:xfrm>
-            <a:off x="2438400" y="1981200"/>
-            <a:ext cx="4114800" cy="4495800"/>
-          </a:xfrm>
-          <a:noFill/>
-        </p:spPr>
-      </p:pic>
-    </p:spTree>
-  </p:cSld>
-  <p:clrMapOvr>
-    <a:masterClrMapping/>
-  </p:clrMapOvr>
-  <p:timing>
-    <p:tnLst>
-      <p:par>
-        <p:cTn id="1" dur="indefinite" restart="never" nodeType="tmRoot"/>
-      </p:par>
-    </p:tnLst>
-  </p:timing>
-</p:sld>
-</file>
-
-<file path=ppt/slides/slide75.xml><?xml version="1.0" encoding="utf-8"?>
 <p:sld xmlns:a="http://schemas.openxmlformats.org/drawingml/2006/main" xmlns:r="http://schemas.openxmlformats.org/officeDocument/2006/relationships" xmlns:p="http://schemas.openxmlformats.org/presentationml/2006/main">
   <p:cSld>
     <p:spTree>
@@ -24791,7 +24788,7 @@
 </p:sld>
 </file>
 
-<file path=ppt/slides/slide76.xml><?xml version="1.0" encoding="utf-8"?>
+<file path=ppt/slides/slide74.xml><?xml version="1.0" encoding="utf-8"?>
 <p:sld xmlns:a="http://schemas.openxmlformats.org/drawingml/2006/main" xmlns:r="http://schemas.openxmlformats.org/officeDocument/2006/relationships" xmlns:p="http://schemas.openxmlformats.org/presentationml/2006/main">
   <p:cSld>
     <p:spTree>
